--- a/jago.pptx
+++ b/jago.pptx
@@ -2770,6 +2770,13 @@
     <dgm:pt modelId="{D7E50B62-DBB8-3D41-96F4-120FF6CCFA28}" type="pres">
       <dgm:prSet presAssocID="{D5A8BF88-3F0F-E743-8D0C-942C8D631C26}" presName="circ2" presStyleLbl="vennNode1" presStyleIdx="1" presStyleCnt="3"/>
       <dgm:spPr/>
+      <dgm:t>
+        <a:bodyPr/>
+        <a:lstStyle/>
+        <a:p>
+          <a:endParaRPr lang="en-US"/>
+        </a:p>
+      </dgm:t>
     </dgm:pt>
     <dgm:pt modelId="{EBBEC2E9-E88F-5D4B-876D-293EF9C4E552}" type="pres">
       <dgm:prSet presAssocID="{D5A8BF88-3F0F-E743-8D0C-942C8D631C26}" presName="circ2Tx" presStyleLbl="revTx" presStyleIdx="0" presStyleCnt="0">
@@ -2780,10 +2787,24 @@
         </dgm:presLayoutVars>
       </dgm:prSet>
       <dgm:spPr/>
+      <dgm:t>
+        <a:bodyPr/>
+        <a:lstStyle/>
+        <a:p>
+          <a:endParaRPr lang="en-US"/>
+        </a:p>
+      </dgm:t>
     </dgm:pt>
     <dgm:pt modelId="{06C43966-E34C-0A43-922B-E860915A4D2D}" type="pres">
       <dgm:prSet presAssocID="{F80ACA01-CE8B-3444-B696-99718CD7C540}" presName="circ3" presStyleLbl="vennNode1" presStyleIdx="2" presStyleCnt="3"/>
       <dgm:spPr/>
+      <dgm:t>
+        <a:bodyPr/>
+        <a:lstStyle/>
+        <a:p>
+          <a:endParaRPr lang="en-US"/>
+        </a:p>
+      </dgm:t>
     </dgm:pt>
     <dgm:pt modelId="{3746C15B-A885-4845-A5E8-C5CD2CD658B2}" type="pres">
       <dgm:prSet presAssocID="{F80ACA01-CE8B-3444-B696-99718CD7C540}" presName="circ3Tx" presStyleLbl="revTx" presStyleIdx="0" presStyleCnt="0">
@@ -2794,6 +2815,13 @@
         </dgm:presLayoutVars>
       </dgm:prSet>
       <dgm:spPr/>
+      <dgm:t>
+        <a:bodyPr/>
+        <a:lstStyle/>
+        <a:p>
+          <a:endParaRPr lang="en-US"/>
+        </a:p>
+      </dgm:t>
     </dgm:pt>
   </dgm:ptLst>
   <dgm:cxnLst>
@@ -3673,8 +3701,8 @@
     <dgm:cxn modelId="{1D6BE1B7-ECB7-124A-8067-4DCDE4D400CE}" type="presOf" srcId="{43F89069-86C0-1D4E-A6A6-CF3CA527893A}" destId="{6BCDDF9A-8502-FC4F-B731-8AF9F1ABEF4E}" srcOrd="0" destOrd="1" presId="urn:microsoft.com/office/officeart/2005/8/layout/vList5"/>
     <dgm:cxn modelId="{6A6B36FB-63A5-E945-87A2-9D67BAAFD4CE}" srcId="{F23BC1B7-DBF7-4F46-8174-12F27AE67CBF}" destId="{A3368B56-BC0A-374A-B50B-37850C5A1ECD}" srcOrd="0" destOrd="0" parTransId="{6CE8E590-2EEA-314D-BF42-A8C4CE05B728}" sibTransId="{FB84202B-6E55-534F-9F7D-8BC887689F3A}"/>
     <dgm:cxn modelId="{F5476285-B5F7-6345-A6DF-EA159165F540}" srcId="{7135C1D3-AABA-DE4A-9967-90C8D5968830}" destId="{3EA66B33-56AC-904B-B6AB-022DC19A3A04}" srcOrd="0" destOrd="0" parTransId="{98BE5B03-281D-0648-828F-476BEB2CA991}" sibTransId="{2869ECC1-9623-1546-9313-6D62B897E130}"/>
+    <dgm:cxn modelId="{3B965BFD-E4E4-094B-A842-8F51ECBBF056}" type="presOf" srcId="{40D368F6-CA80-BF4E-85C5-DAEF635346C5}" destId="{D84D3221-B2B0-594F-AF63-B740F8E333C0}" srcOrd="0" destOrd="2" presId="urn:microsoft.com/office/officeart/2005/8/layout/vList5"/>
     <dgm:cxn modelId="{94780D1A-50F5-184B-A8EF-31332953F17B}" srcId="{A3368B56-BC0A-374A-B50B-37850C5A1ECD}" destId="{40D368F6-CA80-BF4E-85C5-DAEF635346C5}" srcOrd="2" destOrd="0" parTransId="{1AB11A16-D9C8-3948-ADCF-EB79BF029334}" sibTransId="{6F49D456-A4A8-E74D-BFB5-5CF161720F3D}"/>
-    <dgm:cxn modelId="{3B965BFD-E4E4-094B-A842-8F51ECBBF056}" type="presOf" srcId="{40D368F6-CA80-BF4E-85C5-DAEF635346C5}" destId="{D84D3221-B2B0-594F-AF63-B740F8E333C0}" srcOrd="0" destOrd="2" presId="urn:microsoft.com/office/officeart/2005/8/layout/vList5"/>
     <dgm:cxn modelId="{1A41C5C6-3C0B-9743-8D48-FBA0AC15BA27}" type="presOf" srcId="{7135C1D3-AABA-DE4A-9967-90C8D5968830}" destId="{0E504E73-296C-D241-ABF2-1F5885675202}" srcOrd="0" destOrd="0" presId="urn:microsoft.com/office/officeart/2005/8/layout/vList5"/>
     <dgm:cxn modelId="{FE0E36DD-56DD-1D42-BD6C-0863F9376C86}" srcId="{A3368B56-BC0A-374A-B50B-37850C5A1ECD}" destId="{ADBA67F5-8F57-5640-BD39-6FAA8B517340}" srcOrd="1" destOrd="0" parTransId="{97BAF741-D1DA-C840-8139-48C02E3E5330}" sibTransId="{81A650A2-0DFA-0344-8B42-0AD270A8D372}"/>
     <dgm:cxn modelId="{A236A0B9-FCCC-2948-B83C-4091EAA16D46}" srcId="{A3368B56-BC0A-374A-B50B-37850C5A1ECD}" destId="{9FE79EEE-3CE5-B24B-BDE3-15BFEDC2A72B}" srcOrd="3" destOrd="0" parTransId="{9DC88FA9-F88F-814C-8462-D665D3CFE24E}" sibTransId="{629A1DD7-E4D8-A846-82A1-EC857311DD9D}"/>
@@ -9293,7 +9321,7 @@
           <a:p>
             <a:fld id="{2672F88C-CB9E-7142-BD20-C6C82D89CA8D}" type="datetimeFigureOut">
               <a:rPr lang="en-US" smtClean="0"/>
-              <a:t>9/28/17</a:t>
+              <a:t>8/22/18</a:t>
             </a:fld>
             <a:endParaRPr lang="en-US"/>
           </a:p>
@@ -10576,7 +10604,7 @@
           <a:p>
             <a:fld id="{971FA804-8549-864A-9520-E66E0FC8BB66}" type="datetimeFigureOut">
               <a:rPr lang="en-US" smtClean="0"/>
-              <a:t>9/28/17</a:t>
+              <a:t>8/22/18</a:t>
             </a:fld>
             <a:endParaRPr lang="en-US"/>
           </a:p>
@@ -10741,7 +10769,7 @@
           <a:p>
             <a:fld id="{971FA804-8549-864A-9520-E66E0FC8BB66}" type="datetimeFigureOut">
               <a:rPr lang="en-US" smtClean="0"/>
-              <a:t>9/28/17</a:t>
+              <a:t>8/22/18</a:t>
             </a:fld>
             <a:endParaRPr lang="en-US"/>
           </a:p>
@@ -10916,7 +10944,7 @@
           <a:p>
             <a:fld id="{971FA804-8549-864A-9520-E66E0FC8BB66}" type="datetimeFigureOut">
               <a:rPr lang="en-US" smtClean="0"/>
-              <a:t>9/28/17</a:t>
+              <a:t>8/22/18</a:t>
             </a:fld>
             <a:endParaRPr lang="en-US"/>
           </a:p>
@@ -11081,7 +11109,7 @@
           <a:p>
             <a:fld id="{971FA804-8549-864A-9520-E66E0FC8BB66}" type="datetimeFigureOut">
               <a:rPr lang="en-US" smtClean="0"/>
-              <a:t>9/28/17</a:t>
+              <a:t>8/22/18</a:t>
             </a:fld>
             <a:endParaRPr lang="en-US"/>
           </a:p>
@@ -11322,7 +11350,7 @@
           <a:p>
             <a:fld id="{971FA804-8549-864A-9520-E66E0FC8BB66}" type="datetimeFigureOut">
               <a:rPr lang="en-US" smtClean="0"/>
-              <a:t>9/28/17</a:t>
+              <a:t>8/22/18</a:t>
             </a:fld>
             <a:endParaRPr lang="en-US"/>
           </a:p>
@@ -11549,7 +11577,7 @@
           <a:p>
             <a:fld id="{971FA804-8549-864A-9520-E66E0FC8BB66}" type="datetimeFigureOut">
               <a:rPr lang="en-US" smtClean="0"/>
-              <a:t>9/28/17</a:t>
+              <a:t>8/22/18</a:t>
             </a:fld>
             <a:endParaRPr lang="en-US"/>
           </a:p>
@@ -11911,7 +11939,7 @@
           <a:p>
             <a:fld id="{971FA804-8549-864A-9520-E66E0FC8BB66}" type="datetimeFigureOut">
               <a:rPr lang="en-US" smtClean="0"/>
-              <a:t>9/28/17</a:t>
+              <a:t>8/22/18</a:t>
             </a:fld>
             <a:endParaRPr lang="en-US"/>
           </a:p>
@@ -12024,7 +12052,7 @@
           <a:p>
             <a:fld id="{971FA804-8549-864A-9520-E66E0FC8BB66}" type="datetimeFigureOut">
               <a:rPr lang="en-US" smtClean="0"/>
-              <a:t>9/28/17</a:t>
+              <a:t>8/22/18</a:t>
             </a:fld>
             <a:endParaRPr lang="en-US"/>
           </a:p>
@@ -12114,7 +12142,7 @@
           <a:p>
             <a:fld id="{971FA804-8549-864A-9520-E66E0FC8BB66}" type="datetimeFigureOut">
               <a:rPr lang="en-US" smtClean="0"/>
-              <a:t>9/28/17</a:t>
+              <a:t>8/22/18</a:t>
             </a:fld>
             <a:endParaRPr lang="en-US"/>
           </a:p>
@@ -12386,7 +12414,7 @@
           <a:p>
             <a:fld id="{971FA804-8549-864A-9520-E66E0FC8BB66}" type="datetimeFigureOut">
               <a:rPr lang="en-US" smtClean="0"/>
-              <a:t>9/28/17</a:t>
+              <a:t>8/22/18</a:t>
             </a:fld>
             <a:endParaRPr lang="en-US"/>
           </a:p>
@@ -12638,7 +12666,7 @@
           <a:p>
             <a:fld id="{971FA804-8549-864A-9520-E66E0FC8BB66}" type="datetimeFigureOut">
               <a:rPr lang="en-US" smtClean="0"/>
-              <a:t>9/28/17</a:t>
+              <a:t>8/22/18</a:t>
             </a:fld>
             <a:endParaRPr lang="en-US"/>
           </a:p>
@@ -12846,7 +12874,7 @@
           <a:p>
             <a:fld id="{971FA804-8549-864A-9520-E66E0FC8BB66}" type="datetimeFigureOut">
               <a:rPr lang="en-US" smtClean="0"/>
-              <a:t>9/28/17</a:t>
+              <a:t>8/22/18</a:t>
             </a:fld>
             <a:endParaRPr lang="en-US"/>
           </a:p>
@@ -13299,8 +13327,9 @@
           <a:p>
             <a:r>
               <a:rPr lang="en-US" dirty="0" smtClean="0"/>
-              <a:t>Richard Yang</a:t>
-            </a:r>
+              <a:t>Chao Yang</a:t>
+            </a:r>
+            <a:endParaRPr lang="en-US" dirty="0" smtClean="0"/>
           </a:p>
           <a:p>
             <a:r>
@@ -13410,17 +13439,8 @@
           <a:p>
             <a:r>
               <a:rPr lang="en-US" dirty="0" smtClean="0"/>
-              <a:t>More </a:t>
-            </a:r>
-            <a:r>
-              <a:rPr lang="en-US" dirty="0" smtClean="0"/>
-              <a:t>solid understanding of Java programming </a:t>
-            </a:r>
-            <a:r>
-              <a:rPr lang="en-US" dirty="0" smtClean="0"/>
-              <a:t>language</a:t>
-            </a:r>
-            <a:endParaRPr lang="en-US" dirty="0" smtClean="0"/>
+              <a:t>More solid understanding of Java programming language</a:t>
+            </a:r>
           </a:p>
           <a:p>
             <a:endParaRPr lang="en-US" dirty="0"/>
@@ -13559,7 +13579,13 @@
               <a:rPr lang="en-US" dirty="0" smtClean="0">
                 <a:hlinkClick r:id="rId3"/>
               </a:rPr>
-              <a:t>https://github.com/richdyang/jago</a:t>
+              <a:t>https://</a:t>
+            </a:r>
+            <a:r>
+              <a:rPr lang="en-US" dirty="0" smtClean="0">
+                <a:hlinkClick r:id="rId3"/>
+              </a:rPr>
+              <a:t>github.com/chaoyangnz/jago</a:t>
             </a:r>
             <a:r>
               <a:rPr lang="zh-CN" altLang="en-US" dirty="0" smtClean="0"/>
@@ -13575,7 +13601,31 @@
               <a:rPr lang="en-US" dirty="0">
                 <a:hlinkClick r:id="rId4"/>
               </a:rPr>
-              <a:t>https://www.gitbook.com/book/richdyang/go-my-jvm</a:t>
+              <a:t>https://</a:t>
+            </a:r>
+            <a:r>
+              <a:rPr lang="en-US" dirty="0" smtClean="0">
+                <a:hlinkClick r:id="rId4"/>
+              </a:rPr>
+              <a:t>www.gitbook.com/book/</a:t>
+            </a:r>
+            <a:r>
+              <a:rPr lang="en-US" smtClean="0">
+                <a:hlinkClick r:id="rId4"/>
+              </a:rPr>
+              <a:t>chao</a:t>
+            </a:r>
+            <a:r>
+              <a:rPr lang="en-US" smtClean="0">
+                <a:hlinkClick r:id="rId4"/>
+              </a:rPr>
+              <a:t>yangnz/go-my-</a:t>
+            </a:r>
+            <a:r>
+              <a:rPr lang="en-US" dirty="0" smtClean="0">
+                <a:hlinkClick r:id="rId4"/>
+              </a:rPr>
+              <a:t>jvm</a:t>
             </a:r>
             <a:endParaRPr lang="en-US" dirty="0"/>
           </a:p>
@@ -13740,25 +13790,16 @@
             </a:r>
             <a:r>
               <a:rPr lang="en-US" dirty="0" smtClean="0"/>
-              <a:t>depth and explore how a Java program runs in a managed environment</a:t>
-            </a:r>
+              <a:t>depth and explore how a Java program runs in a managed environment.</a:t>
+            </a:r>
+          </a:p>
+          <a:p>
+            <a:endParaRPr lang="en-US" dirty="0" smtClean="0"/>
+          </a:p>
+          <a:p>
             <a:r>
               <a:rPr lang="en-US" dirty="0" smtClean="0"/>
-              <a:t>.</a:t>
-            </a:r>
-            <a:endParaRPr lang="en-US" dirty="0" smtClean="0"/>
-          </a:p>
-          <a:p>
-            <a:endParaRPr lang="en-US" dirty="0" smtClean="0"/>
-          </a:p>
-          <a:p>
-            <a:r>
-              <a:rPr lang="en-US" dirty="0" smtClean="0"/>
-              <a:t>HelloWorld</a:t>
-            </a:r>
-            <a:r>
-              <a:rPr lang="en-US" dirty="0" smtClean="0"/>
-              <a:t>!  </a:t>
+              <a:t>HelloWorld!  </a:t>
             </a:r>
             <a:r>
               <a:rPr lang="en-US" dirty="0"/>
@@ -14595,27 +14636,8 @@
                   </a:schemeClr>
                 </a:solidFill>
               </a:rPr>
-              <a:t>abundant primitive </a:t>
-            </a:r>
-            <a:r>
-              <a:rPr lang="en-US" dirty="0" smtClean="0">
-                <a:solidFill>
-                  <a:schemeClr val="tx1">
-                    <a:lumMod val="65000"/>
-                    <a:lumOff val="35000"/>
-                  </a:schemeClr>
-                </a:solidFill>
-              </a:rPr>
-              <a:t>types</a:t>
-            </a:r>
-            <a:endParaRPr lang="en-US" dirty="0" smtClean="0">
-              <a:solidFill>
-                <a:schemeClr val="tx1">
-                  <a:lumMod val="65000"/>
-                  <a:lumOff val="35000"/>
-                </a:schemeClr>
-              </a:solidFill>
-            </a:endParaRPr>
+              <a:t>abundant primitive types</a:t>
+            </a:r>
           </a:p>
           <a:p>
             <a:pPr lvl="1"/>
@@ -14727,18 +14749,7 @@
                   </a:schemeClr>
                 </a:solidFill>
               </a:rPr>
-              <a:t>native </a:t>
-            </a:r>
-            <a:r>
-              <a:rPr lang="en-US" dirty="0" smtClean="0">
-                <a:solidFill>
-                  <a:schemeClr val="tx1">
-                    <a:lumMod val="65000"/>
-                    <a:lumOff val="35000"/>
-                  </a:schemeClr>
-                </a:solidFill>
-              </a:rPr>
-              <a:t>method implementations</a:t>
+              <a:t>native method implementations</a:t>
             </a:r>
           </a:p>
         </p:txBody>
@@ -15025,11 +15036,7 @@
             </a:r>
             <a:r>
               <a:rPr lang="en-US" dirty="0" smtClean="0"/>
-              <a:t>a </a:t>
-            </a:r>
-            <a:r>
-              <a:rPr lang="en-US" dirty="0" smtClean="0"/>
-              <a:t>JIT for performance</a:t>
+              <a:t>a JIT for performance</a:t>
             </a:r>
           </a:p>
           <a:p>
@@ -15049,11 +15056,7 @@
             <a:pPr lvl="1"/>
             <a:r>
               <a:rPr lang="en-US" dirty="0" smtClean="0"/>
-              <a:t>Run </a:t>
-            </a:r>
-            <a:r>
-              <a:rPr lang="en-US" dirty="0" smtClean="0"/>
-              <a:t>non-trivial Java programs, like Swing desktop application, or a servlet-based web application</a:t>
+              <a:t>Run non-trivial Java programs, like Swing desktop application, or a servlet-based web application</a:t>
             </a:r>
           </a:p>
         </p:txBody>
